--- a/slides/11-Strings_IO_Locale.pptx
+++ b/slides/11-Strings_IO_Locale.pptx
@@ -247,7 +247,7 @@
             <a:fld id="{BF87BC03-7C83-4C14-81FA-9828F85BDFBD}" type="datetimeFigureOut">
               <a:rPr lang="pt-BR" smtClean="0"/>
               <a:pPr/>
-              <a:t>26/01/2012</a:t>
+              <a:t>31/01/2012</a:t>
             </a:fld>
             <a:endParaRPr lang="pt-BR"/>
           </a:p>
@@ -5214,7 +5214,7 @@
             <a:fld id="{C1675C04-B1D7-4314-A174-D1660FB6FF37}" type="datetimeFigureOut">
               <a:rPr lang="pt-BR" smtClean="0"/>
               <a:pPr/>
-              <a:t>26/01/2012</a:t>
+              <a:t>31/01/2012</a:t>
             </a:fld>
             <a:endParaRPr lang="pt-BR"/>
           </a:p>
@@ -5266,7 +5266,7 @@
     </p:spTree>
     <p:extLst>
       <p:ext uri="{BB962C8B-B14F-4D97-AF65-F5344CB8AC3E}">
-        <p14:creationId xmlns="" xmlns:p14="http://schemas.microsoft.com/office/powerpoint/2010/main" val="3819067513"/>
+        <p14:creationId xmlns:p14="http://schemas.microsoft.com/office/powerpoint/2010/main" xmlns="" val="3819067513"/>
       </p:ext>
     </p:extLst>
   </p:cSld>
@@ -5438,7 +5438,7 @@
             <a:fld id="{C1675C04-B1D7-4314-A174-D1660FB6FF37}" type="datetimeFigureOut">
               <a:rPr lang="pt-BR" smtClean="0"/>
               <a:pPr/>
-              <a:t>26/01/2012</a:t>
+              <a:t>31/01/2012</a:t>
             </a:fld>
             <a:endParaRPr lang="pt-BR"/>
           </a:p>
@@ -5490,7 +5490,7 @@
     </p:spTree>
     <p:extLst>
       <p:ext uri="{BB962C8B-B14F-4D97-AF65-F5344CB8AC3E}">
-        <p14:creationId xmlns="" xmlns:p14="http://schemas.microsoft.com/office/powerpoint/2010/main" val="4293683188"/>
+        <p14:creationId xmlns:p14="http://schemas.microsoft.com/office/powerpoint/2010/main" xmlns="" val="4293683188"/>
       </p:ext>
     </p:extLst>
   </p:cSld>
@@ -5672,7 +5672,7 @@
             <a:fld id="{C1675C04-B1D7-4314-A174-D1660FB6FF37}" type="datetimeFigureOut">
               <a:rPr lang="pt-BR" smtClean="0"/>
               <a:pPr/>
-              <a:t>26/01/2012</a:t>
+              <a:t>31/01/2012</a:t>
             </a:fld>
             <a:endParaRPr lang="pt-BR"/>
           </a:p>
@@ -5724,7 +5724,7 @@
     </p:spTree>
     <p:extLst>
       <p:ext uri="{BB962C8B-B14F-4D97-AF65-F5344CB8AC3E}">
-        <p14:creationId xmlns="" xmlns:p14="http://schemas.microsoft.com/office/powerpoint/2010/main" val="932540526"/>
+        <p14:creationId xmlns:p14="http://schemas.microsoft.com/office/powerpoint/2010/main" xmlns="" val="932540526"/>
       </p:ext>
     </p:extLst>
   </p:cSld>
@@ -5771,7 +5771,7 @@
           <a:blip r:embed="rId2" cstate="print">
             <a:extLst>
               <a:ext uri="{BEBA8EAE-BF5A-486C-A8C5-ECC9F3942E4B}">
-                <a14:imgProps xmlns="" xmlns:a14="http://schemas.microsoft.com/office/drawing/2010/main">
+                <a14:imgProps xmlns:a14="http://schemas.microsoft.com/office/drawing/2010/main" xmlns="">
                   <a14:imgLayer r:embed="rId3">
                     <a14:imgEffect>
                       <a14:artisticBlur/>
@@ -5780,7 +5780,7 @@
                 </a14:imgProps>
               </a:ext>
               <a:ext uri="{28A0092B-C50C-407E-A947-70E740481C1C}">
-                <a14:useLocalDpi xmlns="" xmlns:a14="http://schemas.microsoft.com/office/drawing/2010/main" val="0"/>
+                <a14:useLocalDpi xmlns:a14="http://schemas.microsoft.com/office/drawing/2010/main" xmlns="" val="0"/>
               </a:ext>
             </a:extLst>
           </a:blip>
@@ -5802,14 +5802,14 @@
           </a:ln>
           <a:extLst>
             <a:ext uri="{909E8E84-426E-40DD-AFC4-6F175D3DCCD1}">
-              <a14:hiddenFill xmlns="" xmlns:a14="http://schemas.microsoft.com/office/drawing/2010/main">
+              <a14:hiddenFill xmlns:a14="http://schemas.microsoft.com/office/drawing/2010/main" xmlns="">
                 <a:solidFill>
                   <a:schemeClr val="accent1"/>
                 </a:solidFill>
               </a14:hiddenFill>
             </a:ext>
             <a:ext uri="{91240B29-F687-4F45-9708-019B960494DF}">
-              <a14:hiddenLine xmlns="" xmlns:a14="http://schemas.microsoft.com/office/drawing/2010/main" w="9525">
+              <a14:hiddenLine xmlns:a14="http://schemas.microsoft.com/office/drawing/2010/main" xmlns="" w="9525">
                 <a:solidFill>
                   <a:schemeClr val="tx1"/>
                 </a:solidFill>
@@ -5819,7 +5819,7 @@
               </a14:hiddenLine>
             </a:ext>
             <a:ext uri="{AF507438-7753-43E0-B8FC-AC1667EBCBE1}">
-              <a14:hiddenEffects xmlns="" xmlns:a14="http://schemas.microsoft.com/office/drawing/2010/main">
+              <a14:hiddenEffects xmlns:a14="http://schemas.microsoft.com/office/drawing/2010/main" xmlns="">
                 <a:effectLst>
                   <a:outerShdw dist="35921" dir="2700000" algn="ctr" rotWithShape="0">
                     <a:schemeClr val="bg2"/>
@@ -6015,7 +6015,7 @@
             <a:fld id="{C1675C04-B1D7-4314-A174-D1660FB6FF37}" type="datetimeFigureOut">
               <a:rPr lang="pt-BR" smtClean="0"/>
               <a:pPr/>
-              <a:t>26/01/2012</a:t>
+              <a:t>31/01/2012</a:t>
             </a:fld>
             <a:endParaRPr lang="pt-BR"/>
           </a:p>
@@ -6067,7 +6067,7 @@
     </p:spTree>
     <p:extLst>
       <p:ext uri="{BB962C8B-B14F-4D97-AF65-F5344CB8AC3E}">
-        <p14:creationId xmlns="" xmlns:p14="http://schemas.microsoft.com/office/powerpoint/2010/main" val="1140807732"/>
+        <p14:creationId xmlns:p14="http://schemas.microsoft.com/office/powerpoint/2010/main" xmlns="" val="1140807732"/>
       </p:ext>
     </p:extLst>
   </p:cSld>
@@ -6273,7 +6273,7 @@
             <a:fld id="{C1675C04-B1D7-4314-A174-D1660FB6FF37}" type="datetimeFigureOut">
               <a:rPr lang="pt-BR" smtClean="0"/>
               <a:pPr/>
-              <a:t>26/01/2012</a:t>
+              <a:t>31/01/2012</a:t>
             </a:fld>
             <a:endParaRPr lang="pt-BR"/>
           </a:p>
@@ -6325,7 +6325,7 @@
     </p:spTree>
     <p:extLst>
       <p:ext uri="{BB962C8B-B14F-4D97-AF65-F5344CB8AC3E}">
-        <p14:creationId xmlns="" xmlns:p14="http://schemas.microsoft.com/office/powerpoint/2010/main" val="3735907881"/>
+        <p14:creationId xmlns:p14="http://schemas.microsoft.com/office/powerpoint/2010/main" xmlns="" val="3735907881"/>
       </p:ext>
     </p:extLst>
   </p:cSld>
@@ -6619,7 +6619,7 @@
             <a:fld id="{C1675C04-B1D7-4314-A174-D1660FB6FF37}" type="datetimeFigureOut">
               <a:rPr lang="pt-BR" smtClean="0"/>
               <a:pPr/>
-              <a:t>26/01/2012</a:t>
+              <a:t>31/01/2012</a:t>
             </a:fld>
             <a:endParaRPr lang="pt-BR"/>
           </a:p>
@@ -6671,7 +6671,7 @@
     </p:spTree>
     <p:extLst>
       <p:ext uri="{BB962C8B-B14F-4D97-AF65-F5344CB8AC3E}">
-        <p14:creationId xmlns="" xmlns:p14="http://schemas.microsoft.com/office/powerpoint/2010/main" val="2820318444"/>
+        <p14:creationId xmlns:p14="http://schemas.microsoft.com/office/powerpoint/2010/main" xmlns="" val="2820318444"/>
       </p:ext>
     </p:extLst>
   </p:cSld>
@@ -7103,7 +7103,7 @@
             <a:fld id="{C1675C04-B1D7-4314-A174-D1660FB6FF37}" type="datetimeFigureOut">
               <a:rPr lang="pt-BR" smtClean="0"/>
               <a:pPr/>
-              <a:t>26/01/2012</a:t>
+              <a:t>31/01/2012</a:t>
             </a:fld>
             <a:endParaRPr lang="pt-BR"/>
           </a:p>
@@ -7155,7 +7155,7 @@
     </p:spTree>
     <p:extLst>
       <p:ext uri="{BB962C8B-B14F-4D97-AF65-F5344CB8AC3E}">
-        <p14:creationId xmlns="" xmlns:p14="http://schemas.microsoft.com/office/powerpoint/2010/main" val="566552069"/>
+        <p14:creationId xmlns:p14="http://schemas.microsoft.com/office/powerpoint/2010/main" xmlns="" val="566552069"/>
       </p:ext>
     </p:extLst>
   </p:cSld>
@@ -7239,7 +7239,7 @@
             <a:fld id="{C1675C04-B1D7-4314-A174-D1660FB6FF37}" type="datetimeFigureOut">
               <a:rPr lang="pt-BR" smtClean="0"/>
               <a:pPr/>
-              <a:t>26/01/2012</a:t>
+              <a:t>31/01/2012</a:t>
             </a:fld>
             <a:endParaRPr lang="pt-BR"/>
           </a:p>
@@ -7291,7 +7291,7 @@
     </p:spTree>
     <p:extLst>
       <p:ext uri="{BB962C8B-B14F-4D97-AF65-F5344CB8AC3E}">
-        <p14:creationId xmlns="" xmlns:p14="http://schemas.microsoft.com/office/powerpoint/2010/main" val="1358390184"/>
+        <p14:creationId xmlns:p14="http://schemas.microsoft.com/office/powerpoint/2010/main" xmlns="" val="1358390184"/>
       </p:ext>
     </p:extLst>
   </p:cSld>
@@ -7344,7 +7344,7 @@
             <a:fld id="{C1675C04-B1D7-4314-A174-D1660FB6FF37}" type="datetimeFigureOut">
               <a:rPr lang="pt-BR" smtClean="0"/>
               <a:pPr/>
-              <a:t>26/01/2012</a:t>
+              <a:t>31/01/2012</a:t>
             </a:fld>
             <a:endParaRPr lang="pt-BR"/>
           </a:p>
@@ -7396,7 +7396,7 @@
     </p:spTree>
     <p:extLst>
       <p:ext uri="{BB962C8B-B14F-4D97-AF65-F5344CB8AC3E}">
-        <p14:creationId xmlns="" xmlns:p14="http://schemas.microsoft.com/office/powerpoint/2010/main" val="3705262111"/>
+        <p14:creationId xmlns:p14="http://schemas.microsoft.com/office/powerpoint/2010/main" xmlns="" val="3705262111"/>
       </p:ext>
     </p:extLst>
   </p:cSld>
@@ -7659,7 +7659,7 @@
             <a:fld id="{C1675C04-B1D7-4314-A174-D1660FB6FF37}" type="datetimeFigureOut">
               <a:rPr lang="pt-BR" smtClean="0"/>
               <a:pPr/>
-              <a:t>26/01/2012</a:t>
+              <a:t>31/01/2012</a:t>
             </a:fld>
             <a:endParaRPr lang="pt-BR"/>
           </a:p>
@@ -7711,7 +7711,7 @@
     </p:spTree>
     <p:extLst>
       <p:ext uri="{BB962C8B-B14F-4D97-AF65-F5344CB8AC3E}">
-        <p14:creationId xmlns="" xmlns:p14="http://schemas.microsoft.com/office/powerpoint/2010/main" val="2189634051"/>
+        <p14:creationId xmlns:p14="http://schemas.microsoft.com/office/powerpoint/2010/main" xmlns="" val="2189634051"/>
       </p:ext>
     </p:extLst>
   </p:cSld>
@@ -7934,7 +7934,7 @@
             <a:fld id="{C1675C04-B1D7-4314-A174-D1660FB6FF37}" type="datetimeFigureOut">
               <a:rPr lang="pt-BR" smtClean="0"/>
               <a:pPr/>
-              <a:t>26/01/2012</a:t>
+              <a:t>31/01/2012</a:t>
             </a:fld>
             <a:endParaRPr lang="pt-BR"/>
           </a:p>
@@ -7986,7 +7986,7 @@
     </p:spTree>
     <p:extLst>
       <p:ext uri="{BB962C8B-B14F-4D97-AF65-F5344CB8AC3E}">
-        <p14:creationId xmlns="" xmlns:p14="http://schemas.microsoft.com/office/powerpoint/2010/main" val="3848481695"/>
+        <p14:creationId xmlns:p14="http://schemas.microsoft.com/office/powerpoint/2010/main" xmlns="" val="3848481695"/>
       </p:ext>
     </p:extLst>
   </p:cSld>
@@ -8150,7 +8150,7 @@
             <a:fld id="{C1675C04-B1D7-4314-A174-D1660FB6FF37}" type="datetimeFigureOut">
               <a:rPr lang="pt-BR" smtClean="0"/>
               <a:pPr/>
-              <a:t>26/01/2012</a:t>
+              <a:t>31/01/2012</a:t>
             </a:fld>
             <a:endParaRPr lang="pt-BR"/>
           </a:p>
@@ -8264,7 +8264,7 @@
     </p:spTree>
     <p:extLst>
       <p:ext uri="{BB962C8B-B14F-4D97-AF65-F5344CB8AC3E}">
-        <p14:creationId xmlns="" xmlns:p14="http://schemas.microsoft.com/office/powerpoint/2010/main" val="2257276274"/>
+        <p14:creationId xmlns:p14="http://schemas.microsoft.com/office/powerpoint/2010/main" xmlns="" val="2257276274"/>
       </p:ext>
     </p:extLst>
   </p:cSld>
@@ -8572,7 +8572,7 @@
           <a:blip r:embed="rId3" cstate="print">
             <a:extLst>
               <a:ext uri="{28A0092B-C50C-407E-A947-70E740481C1C}">
-                <a14:useLocalDpi xmlns="" xmlns:a14="http://schemas.microsoft.com/office/drawing/2010/main" val="0"/>
+                <a14:useLocalDpi xmlns:a14="http://schemas.microsoft.com/office/drawing/2010/main" xmlns="" val="0"/>
               </a:ext>
             </a:extLst>
           </a:blip>
@@ -8596,14 +8596,14 @@
           <a:effectLst/>
           <a:extLst>
             <a:ext uri="{909E8E84-426E-40DD-AFC4-6F175D3DCCD1}">
-              <a14:hiddenFill xmlns="" xmlns:a14="http://schemas.microsoft.com/office/drawing/2010/main">
+              <a14:hiddenFill xmlns:a14="http://schemas.microsoft.com/office/drawing/2010/main" xmlns="">
                 <a:solidFill>
                   <a:schemeClr val="accent1"/>
                 </a:solidFill>
               </a14:hiddenFill>
             </a:ext>
             <a:ext uri="{91240B29-F687-4F45-9708-019B960494DF}">
-              <a14:hiddenLine xmlns="" xmlns:a14="http://schemas.microsoft.com/office/drawing/2010/main" w="9525">
+              <a14:hiddenLine xmlns:a14="http://schemas.microsoft.com/office/drawing/2010/main" xmlns="" w="9525">
                 <a:solidFill>
                   <a:schemeClr val="tx1"/>
                 </a:solidFill>
@@ -8613,7 +8613,7 @@
               </a14:hiddenLine>
             </a:ext>
             <a:ext uri="{AF507438-7753-43E0-B8FC-AC1667EBCBE1}">
-              <a14:hiddenEffects xmlns="" xmlns:a14="http://schemas.microsoft.com/office/drawing/2010/main">
+              <a14:hiddenEffects xmlns:a14="http://schemas.microsoft.com/office/drawing/2010/main" xmlns="">
                 <a:effectLst>
                   <a:outerShdw dist="35921" dir="2700000" algn="ctr" rotWithShape="0">
                     <a:schemeClr val="bg2"/>
@@ -8694,7 +8694,7 @@
     </p:spTree>
     <p:extLst>
       <p:ext uri="{BB962C8B-B14F-4D97-AF65-F5344CB8AC3E}">
-        <p14:creationId xmlns="" xmlns:p14="http://schemas.microsoft.com/office/powerpoint/2010/main" val="164985714"/>
+        <p14:creationId xmlns:p14="http://schemas.microsoft.com/office/powerpoint/2010/main" xmlns="" val="164985714"/>
       </p:ext>
     </p:extLst>
   </p:cSld>
@@ -8814,11 +8814,7 @@
                       </a:r>
                       <a:r>
                         <a:rPr lang="pt-BR" dirty="0" smtClean="0"/>
-                        <a:t>(String </a:t>
-                      </a:r>
-                      <a:r>
-                        <a:rPr lang="pt-BR" dirty="0" smtClean="0"/>
-                        <a:t>s)</a:t>
+                        <a:t>(String s)</a:t>
                       </a:r>
                       <a:endParaRPr lang="pt-BR" dirty="0"/>
                     </a:p>
@@ -11532,7 +11528,7 @@
     </p:spTree>
     <p:extLst>
       <p:ext uri="{BB962C8B-B14F-4D97-AF65-F5344CB8AC3E}">
-        <p14:creationId xmlns="" xmlns:p14="http://schemas.microsoft.com/office/powerpoint/2010/main" val="3046726361"/>
+        <p14:creationId xmlns:p14="http://schemas.microsoft.com/office/powerpoint/2010/main" xmlns="" val="3046726361"/>
       </p:ext>
     </p:extLst>
   </p:cSld>
@@ -16075,7 +16071,7 @@
           <a:blip r:embed="rId3" cstate="print">
             <a:extLst>
               <a:ext uri="{28A0092B-C50C-407E-A947-70E740481C1C}">
-                <a14:useLocalDpi xmlns="" xmlns:a14="http://schemas.microsoft.com/office/drawing/2010/main" val="0"/>
+                <a14:useLocalDpi xmlns:a14="http://schemas.microsoft.com/office/drawing/2010/main" xmlns="" val="0"/>
               </a:ext>
             </a:extLst>
           </a:blip>
@@ -16095,7 +16091,7 @@
           <a:noFill/>
           <a:extLst>
             <a:ext uri="{909E8E84-426E-40DD-AFC4-6F175D3DCCD1}">
-              <a14:hiddenFill xmlns="" xmlns:a14="http://schemas.microsoft.com/office/drawing/2010/main">
+              <a14:hiddenFill xmlns:a14="http://schemas.microsoft.com/office/drawing/2010/main" xmlns="">
                 <a:solidFill>
                   <a:srgbClr val="FFFFFF"/>
                 </a:solidFill>
@@ -16107,7 +16103,7 @@
     </p:spTree>
     <p:extLst>
       <p:ext uri="{BB962C8B-B14F-4D97-AF65-F5344CB8AC3E}">
-        <p14:creationId xmlns="" xmlns:p14="http://schemas.microsoft.com/office/powerpoint/2010/main" val="1943752122"/>
+        <p14:creationId xmlns:p14="http://schemas.microsoft.com/office/powerpoint/2010/main" xmlns="" val="1943752122"/>
       </p:ext>
     </p:extLst>
   </p:cSld>
@@ -16878,6 +16874,13 @@
     <a:masterClrMapping/>
   </p:clrMapOvr>
   <p:transition spd="slow"/>
+  <p:timing>
+    <p:tnLst>
+      <p:par>
+        <p:cTn id="1" dur="indefinite" restart="never" nodeType="tmRoot"/>
+      </p:par>
+    </p:tnLst>
+  </p:timing>
 </p:sld>
 </file>
 
@@ -16976,6 +16979,13 @@
     <a:masterClrMapping/>
   </p:clrMapOvr>
   <p:transition spd="slow"/>
+  <p:timing>
+    <p:tnLst>
+      <p:par>
+        <p:cTn id="1" dur="indefinite" restart="never" nodeType="tmRoot"/>
+      </p:par>
+    </p:tnLst>
+  </p:timing>
 </p:sld>
 </file>
 
@@ -17081,6 +17091,13 @@
     <a:masterClrMapping/>
   </p:clrMapOvr>
   <p:transition spd="slow"/>
+  <p:timing>
+    <p:tnLst>
+      <p:par>
+        <p:cTn id="1" dur="indefinite" restart="never" nodeType="tmRoot"/>
+      </p:par>
+    </p:tnLst>
+  </p:timing>
 </p:sld>
 </file>
 
@@ -17134,15 +17151,19 @@
             </a:r>
             <a:r>
               <a:rPr lang="pt-BR" dirty="0" smtClean="0"/>
-              <a:t> de caracteres, porque uma </a:t>
-            </a:r>
-            <a:r>
-              <a:rPr lang="pt-BR" dirty="0" err="1" smtClean="0"/>
-              <a:t>stirng</a:t>
+              <a:t> de caracteres, porque </a:t>
+            </a:r>
+            <a:r>
+              <a:rPr lang="pt-BR" smtClean="0"/>
+              <a:t>uma </a:t>
+            </a:r>
+            <a:r>
+              <a:rPr lang="pt-BR" smtClean="0"/>
+              <a:t>string </a:t>
             </a:r>
             <a:r>
               <a:rPr lang="pt-BR" dirty="0" smtClean="0"/>
-              <a:t> pode ficar no pool de strings por mais tempo que o desejado</a:t>
+              <a:t>pode ficar no pool de strings por mais tempo que o desejado</a:t>
             </a:r>
           </a:p>
         </p:txBody>
@@ -17186,6 +17207,13 @@
     <a:masterClrMapping/>
   </p:clrMapOvr>
   <p:transition spd="slow"/>
+  <p:timing>
+    <p:tnLst>
+      <p:par>
+        <p:cTn id="1" dur="indefinite" restart="never" nodeType="tmRoot"/>
+      </p:par>
+    </p:tnLst>
+  </p:timing>
 </p:sld>
 </file>
 
@@ -17851,6 +17879,13 @@
     <a:masterClrMapping/>
   </p:clrMapOvr>
   <p:transition spd="slow"/>
+  <p:timing>
+    <p:tnLst>
+      <p:par>
+        <p:cTn id="1" dur="indefinite" restart="never" nodeType="tmRoot"/>
+      </p:par>
+    </p:tnLst>
+  </p:timing>
 </p:sld>
 </file>
 
@@ -18570,7 +18605,7 @@
     </p:spTree>
     <p:extLst>
       <p:ext uri="{BB962C8B-B14F-4D97-AF65-F5344CB8AC3E}">
-        <p14:creationId xmlns="" xmlns:p14="http://schemas.microsoft.com/office/powerpoint/2010/main" val="3046726361"/>
+        <p14:creationId xmlns:p14="http://schemas.microsoft.com/office/powerpoint/2010/main" xmlns="" val="3046726361"/>
       </p:ext>
     </p:extLst>
   </p:cSld>
@@ -21859,7 +21894,7 @@
     </p:spTree>
     <p:extLst>
       <p:ext uri="{BB962C8B-B14F-4D97-AF65-F5344CB8AC3E}">
-        <p14:creationId xmlns="" xmlns:p14="http://schemas.microsoft.com/office/powerpoint/2010/main" val="3046726361"/>
+        <p14:creationId xmlns:p14="http://schemas.microsoft.com/office/powerpoint/2010/main" xmlns="" val="3046726361"/>
       </p:ext>
     </p:extLst>
   </p:cSld>
@@ -23711,7 +23746,7 @@
             <p:ph idx="1"/>
             <p:extLst>
               <p:ext uri="{D42A27DB-BD31-4B8C-83A1-F6EECF244321}">
-                <p14:modId xmlns="" xmlns:p14="http://schemas.microsoft.com/office/powerpoint/2010/main" val="1646880885"/>
+                <p14:modId xmlns:p14="http://schemas.microsoft.com/office/powerpoint/2010/main" xmlns="" val="1646880885"/>
               </p:ext>
             </p:extLst>
           </p:nvPr>
@@ -24401,7 +24436,7 @@
     </p:spTree>
     <p:extLst>
       <p:ext uri="{BB962C8B-B14F-4D97-AF65-F5344CB8AC3E}">
-        <p14:creationId xmlns="" xmlns:p14="http://schemas.microsoft.com/office/powerpoint/2010/main" val="3615031053"/>
+        <p14:creationId xmlns:p14="http://schemas.microsoft.com/office/powerpoint/2010/main" xmlns="" val="3615031053"/>
       </p:ext>
     </p:extLst>
   </p:cSld>
@@ -24848,11 +24883,7 @@
             </a:r>
             <a:r>
               <a:rPr lang="pt-BR" dirty="0" smtClean="0"/>
-              <a:t>, </a:t>
-            </a:r>
-            <a:r>
-              <a:rPr lang="pt-BR" dirty="0" smtClean="0"/>
-              <a:t>o mesmo será “</a:t>
+              <a:t>, o mesmo será “</a:t>
             </a:r>
             <a:r>
               <a:rPr lang="pt-BR" dirty="0" err="1" smtClean="0"/>
